--- a/02_paper/02_study/02_fitbit paper/images/Model_Teacher_Stress_adapted.pptx
+++ b/02_paper/02_study/02_fitbit paper/images/Model_Teacher_Stress_adapted.pptx
@@ -104,7 +104,121 @@
       </a:defRPr>
     </a:lvl9pPr>
   </p:defaultTextStyle>
+  <p:extLst>
+    <p:ext uri="{EFAFB233-063F-42B5-8137-9DF3F51BA10A}">
+      <p15:sldGuideLst xmlns:p15="http://schemas.microsoft.com/office/powerpoint/2012/main"/>
+    </p:ext>
+  </p:extLst>
 </p:presentation>
+</file>
+
+<file path=ppt/changesInfos/changesInfo1.xml><?xml version="1.0" encoding="utf-8"?>
+<pc:chgInfo xmlns:a="http://schemas.openxmlformats.org/drawingml/2006/main" xmlns:r="http://schemas.openxmlformats.org/officeDocument/2006/relationships" xmlns:ac="http://schemas.microsoft.com/office/drawing/2013/main/command" xmlns:pc="http://schemas.microsoft.com/office/powerpoint/2013/main/command">
+  <pc:docChgLst>
+    <pc:chgData name="Mandy Klatt" userId="505858402c07da9d" providerId="LiveId" clId="{E77E5BD1-ECA6-4394-9625-5600C6F57BB0}"/>
+    <pc:docChg chg="undo custSel modSld">
+      <pc:chgData name="Mandy Klatt" userId="505858402c07da9d" providerId="LiveId" clId="{E77E5BD1-ECA6-4394-9625-5600C6F57BB0}" dt="2024-02-22T14:32:05.405" v="192" actId="20577"/>
+      <pc:docMkLst>
+        <pc:docMk/>
+      </pc:docMkLst>
+      <pc:sldChg chg="delSp modSp mod">
+        <pc:chgData name="Mandy Klatt" userId="505858402c07da9d" providerId="LiveId" clId="{E77E5BD1-ECA6-4394-9625-5600C6F57BB0}" dt="2024-02-22T14:32:05.405" v="192" actId="20577"/>
+        <pc:sldMkLst>
+          <pc:docMk/>
+          <pc:sldMk cId="3067625557" sldId="256"/>
+        </pc:sldMkLst>
+        <pc:spChg chg="mod">
+          <ac:chgData name="Mandy Klatt" userId="505858402c07da9d" providerId="LiveId" clId="{E77E5BD1-ECA6-4394-9625-5600C6F57BB0}" dt="2024-02-22T14:30:49.375" v="153" actId="14100"/>
+          <ac:spMkLst>
+            <pc:docMk/>
+            <pc:sldMk cId="3067625557" sldId="256"/>
+            <ac:spMk id="4" creationId="{5264A506-4DDE-4E83-B95C-FA5600898B9F}"/>
+          </ac:spMkLst>
+        </pc:spChg>
+        <pc:spChg chg="mod">
+          <ac:chgData name="Mandy Klatt" userId="505858402c07da9d" providerId="LiveId" clId="{E77E5BD1-ECA6-4394-9625-5600C6F57BB0}" dt="2024-02-22T14:31:59.489" v="188" actId="20577"/>
+          <ac:spMkLst>
+            <pc:docMk/>
+            <pc:sldMk cId="3067625557" sldId="256"/>
+            <ac:spMk id="5" creationId="{113B36CB-CD74-408C-87F2-FA2F595D96E1}"/>
+          </ac:spMkLst>
+        </pc:spChg>
+        <pc:spChg chg="mod">
+          <ac:chgData name="Mandy Klatt" userId="505858402c07da9d" providerId="LiveId" clId="{E77E5BD1-ECA6-4394-9625-5600C6F57BB0}" dt="2024-02-22T14:32:05.405" v="192" actId="20577"/>
+          <ac:spMkLst>
+            <pc:docMk/>
+            <pc:sldMk cId="3067625557" sldId="256"/>
+            <ac:spMk id="8" creationId="{7F162A45-8B57-4A86-B198-0250972630EF}"/>
+          </ac:spMkLst>
+        </pc:spChg>
+        <pc:spChg chg="mod">
+          <ac:chgData name="Mandy Klatt" userId="505858402c07da9d" providerId="LiveId" clId="{E77E5BD1-ECA6-4394-9625-5600C6F57BB0}" dt="2024-02-22T14:31:14.975" v="160" actId="20577"/>
+          <ac:spMkLst>
+            <pc:docMk/>
+            <pc:sldMk cId="3067625557" sldId="256"/>
+            <ac:spMk id="11" creationId="{D69123BD-30E6-40C3-8411-9E7FC58ABD70}"/>
+          </ac:spMkLst>
+        </pc:spChg>
+        <pc:spChg chg="mod">
+          <ac:chgData name="Mandy Klatt" userId="505858402c07da9d" providerId="LiveId" clId="{E77E5BD1-ECA6-4394-9625-5600C6F57BB0}" dt="2024-02-22T14:31:22.076" v="163" actId="20577"/>
+          <ac:spMkLst>
+            <pc:docMk/>
+            <pc:sldMk cId="3067625557" sldId="256"/>
+            <ac:spMk id="14" creationId="{441913AF-7CB1-44BE-BB8E-179AD4548DC8}"/>
+          </ac:spMkLst>
+        </pc:spChg>
+        <pc:spChg chg="mod">
+          <ac:chgData name="Mandy Klatt" userId="505858402c07da9d" providerId="LiveId" clId="{E77E5BD1-ECA6-4394-9625-5600C6F57BB0}" dt="2024-02-22T14:31:23.399" v="164" actId="20577"/>
+          <ac:spMkLst>
+            <pc:docMk/>
+            <pc:sldMk cId="3067625557" sldId="256"/>
+            <ac:spMk id="15" creationId="{76E22C50-DC2D-48F7-ABAC-EF7F3AC5A564}"/>
+          </ac:spMkLst>
+        </pc:spChg>
+        <pc:spChg chg="mod">
+          <ac:chgData name="Mandy Klatt" userId="505858402c07da9d" providerId="LiveId" clId="{E77E5BD1-ECA6-4394-9625-5600C6F57BB0}" dt="2024-02-22T14:30:59.619" v="159" actId="20577"/>
+          <ac:spMkLst>
+            <pc:docMk/>
+            <pc:sldMk cId="3067625557" sldId="256"/>
+            <ac:spMk id="16" creationId="{E111BC02-1F35-4BCB-9656-4F1DCF651BF1}"/>
+          </ac:spMkLst>
+        </pc:spChg>
+        <pc:spChg chg="mod">
+          <ac:chgData name="Mandy Klatt" userId="505858402c07da9d" providerId="LiveId" clId="{E77E5BD1-ECA6-4394-9625-5600C6F57BB0}" dt="2024-02-22T14:29:08.148" v="127" actId="1076"/>
+          <ac:spMkLst>
+            <pc:docMk/>
+            <pc:sldMk cId="3067625557" sldId="256"/>
+            <ac:spMk id="17" creationId="{B6EBC000-784C-4A38-A593-D2F15EEA6E88}"/>
+          </ac:spMkLst>
+        </pc:spChg>
+        <pc:spChg chg="mod">
+          <ac:chgData name="Mandy Klatt" userId="505858402c07da9d" providerId="LiveId" clId="{E77E5BD1-ECA6-4394-9625-5600C6F57BB0}" dt="2024-02-22T14:29:04.494" v="126" actId="1076"/>
+          <ac:spMkLst>
+            <pc:docMk/>
+            <pc:sldMk cId="3067625557" sldId="256"/>
+            <ac:spMk id="18" creationId="{C6A4BEB2-F650-4704-98F8-61E53F074BF8}"/>
+          </ac:spMkLst>
+        </pc:spChg>
+        <pc:spChg chg="del">
+          <ac:chgData name="Mandy Klatt" userId="505858402c07da9d" providerId="LiveId" clId="{E77E5BD1-ECA6-4394-9625-5600C6F57BB0}" dt="2024-02-22T14:28:13.182" v="116" actId="478"/>
+          <ac:spMkLst>
+            <pc:docMk/>
+            <pc:sldMk cId="3067625557" sldId="256"/>
+            <ac:spMk id="19" creationId="{904D97BD-B2C1-49D6-B401-AFEFB3C12D2E}"/>
+          </ac:spMkLst>
+        </pc:spChg>
+        <pc:cxnChg chg="del mod">
+          <ac:chgData name="Mandy Klatt" userId="505858402c07da9d" providerId="LiveId" clId="{E77E5BD1-ECA6-4394-9625-5600C6F57BB0}" dt="2024-02-22T14:28:15.197" v="117" actId="478"/>
+          <ac:cxnSpMkLst>
+            <pc:docMk/>
+            <pc:sldMk cId="3067625557" sldId="256"/>
+            <ac:cxnSpMk id="21" creationId="{754645CC-CE9C-4BB0-9167-650782A902D3}"/>
+          </ac:cxnSpMkLst>
+        </pc:cxnChg>
+      </pc:sldChg>
+    </pc:docChg>
+  </pc:docChgLst>
+</pc:chgInfo>
 </file>
 
 <file path=ppt/slideLayouts/slideLayout1.xml><?xml version="1.0" encoding="utf-8"?>
@@ -254,7 +368,7 @@
           <a:p>
             <a:fld id="{498B1C74-F59F-4DD0-82BC-6493AE2D9975}" type="datetimeFigureOut">
               <a:rPr lang="de-DE" smtClean="0"/>
-              <a:t>20.02.2024</a:t>
+              <a:t>22.02.2024</a:t>
             </a:fld>
             <a:endParaRPr lang="de-DE"/>
           </a:p>
@@ -452,7 +566,7 @@
           <a:p>
             <a:fld id="{498B1C74-F59F-4DD0-82BC-6493AE2D9975}" type="datetimeFigureOut">
               <a:rPr lang="de-DE" smtClean="0"/>
-              <a:t>20.02.2024</a:t>
+              <a:t>22.02.2024</a:t>
             </a:fld>
             <a:endParaRPr lang="de-DE"/>
           </a:p>
@@ -660,7 +774,7 @@
           <a:p>
             <a:fld id="{498B1C74-F59F-4DD0-82BC-6493AE2D9975}" type="datetimeFigureOut">
               <a:rPr lang="de-DE" smtClean="0"/>
-              <a:t>20.02.2024</a:t>
+              <a:t>22.02.2024</a:t>
             </a:fld>
             <a:endParaRPr lang="de-DE"/>
           </a:p>
@@ -858,7 +972,7 @@
           <a:p>
             <a:fld id="{498B1C74-F59F-4DD0-82BC-6493AE2D9975}" type="datetimeFigureOut">
               <a:rPr lang="de-DE" smtClean="0"/>
-              <a:t>20.02.2024</a:t>
+              <a:t>22.02.2024</a:t>
             </a:fld>
             <a:endParaRPr lang="de-DE"/>
           </a:p>
@@ -1133,7 +1247,7 @@
           <a:p>
             <a:fld id="{498B1C74-F59F-4DD0-82BC-6493AE2D9975}" type="datetimeFigureOut">
               <a:rPr lang="de-DE" smtClean="0"/>
-              <a:t>20.02.2024</a:t>
+              <a:t>22.02.2024</a:t>
             </a:fld>
             <a:endParaRPr lang="de-DE"/>
           </a:p>
@@ -1398,7 +1512,7 @@
           <a:p>
             <a:fld id="{498B1C74-F59F-4DD0-82BC-6493AE2D9975}" type="datetimeFigureOut">
               <a:rPr lang="de-DE" smtClean="0"/>
-              <a:t>20.02.2024</a:t>
+              <a:t>22.02.2024</a:t>
             </a:fld>
             <a:endParaRPr lang="de-DE"/>
           </a:p>
@@ -1810,7 +1924,7 @@
           <a:p>
             <a:fld id="{498B1C74-F59F-4DD0-82BC-6493AE2D9975}" type="datetimeFigureOut">
               <a:rPr lang="de-DE" smtClean="0"/>
-              <a:t>20.02.2024</a:t>
+              <a:t>22.02.2024</a:t>
             </a:fld>
             <a:endParaRPr lang="de-DE"/>
           </a:p>
@@ -1951,7 +2065,7 @@
           <a:p>
             <a:fld id="{498B1C74-F59F-4DD0-82BC-6493AE2D9975}" type="datetimeFigureOut">
               <a:rPr lang="de-DE" smtClean="0"/>
-              <a:t>20.02.2024</a:t>
+              <a:t>22.02.2024</a:t>
             </a:fld>
             <a:endParaRPr lang="de-DE"/>
           </a:p>
@@ -2064,7 +2178,7 @@
           <a:p>
             <a:fld id="{498B1C74-F59F-4DD0-82BC-6493AE2D9975}" type="datetimeFigureOut">
               <a:rPr lang="de-DE" smtClean="0"/>
-              <a:t>20.02.2024</a:t>
+              <a:t>22.02.2024</a:t>
             </a:fld>
             <a:endParaRPr lang="de-DE"/>
           </a:p>
@@ -2375,7 +2489,7 @@
           <a:p>
             <a:fld id="{498B1C74-F59F-4DD0-82BC-6493AE2D9975}" type="datetimeFigureOut">
               <a:rPr lang="de-DE" smtClean="0"/>
-              <a:t>20.02.2024</a:t>
+              <a:t>22.02.2024</a:t>
             </a:fld>
             <a:endParaRPr lang="de-DE"/>
           </a:p>
@@ -2663,7 +2777,7 @@
           <a:p>
             <a:fld id="{498B1C74-F59F-4DD0-82BC-6493AE2D9975}" type="datetimeFigureOut">
               <a:rPr lang="de-DE" smtClean="0"/>
-              <a:t>20.02.2024</a:t>
+              <a:t>22.02.2024</a:t>
             </a:fld>
             <a:endParaRPr lang="de-DE"/>
           </a:p>
@@ -2904,7 +3018,7 @@
           <a:p>
             <a:fld id="{498B1C74-F59F-4DD0-82BC-6493AE2D9975}" type="datetimeFigureOut">
               <a:rPr lang="de-DE" smtClean="0"/>
-              <a:t>20.02.2024</a:t>
+              <a:t>22.02.2024</a:t>
             </a:fld>
             <a:endParaRPr lang="de-DE"/>
           </a:p>
@@ -3335,8 +3449,8 @@
         </p:nvSpPr>
         <p:spPr>
           <a:xfrm>
-            <a:off x="6787177" y="595579"/>
-            <a:ext cx="2771836" cy="646331"/>
+            <a:off x="4837270" y="580637"/>
+            <a:ext cx="2877979" cy="646331"/>
           </a:xfrm>
           <a:prstGeom prst="rect">
             <a:avLst/>
@@ -3374,7 +3488,7 @@
                 <a:latin typeface="Times New Roman" panose="02020603050405020304" pitchFamily="18" charset="0"/>
                 <a:cs typeface="Times New Roman" panose="02020603050405020304" pitchFamily="18" charset="0"/>
               </a:rPr>
-              <a:t>, e.g. professional </a:t>
+              <a:t> (e.g., professional </a:t>
             </a:r>
             <a:r>
               <a:rPr lang="de-DE" dirty="0" err="1">
@@ -3383,10 +3497,13 @@
               </a:rPr>
               <a:t>experience</a:t>
             </a:r>
-            <a:endParaRPr lang="de-DE" dirty="0">
-              <a:latin typeface="Times New Roman" panose="02020603050405020304" pitchFamily="18" charset="0"/>
-              <a:cs typeface="Times New Roman" panose="02020603050405020304" pitchFamily="18" charset="0"/>
-            </a:endParaRPr>
+            <a:r>
+              <a:rPr lang="de-DE" dirty="0">
+                <a:latin typeface="Times New Roman" panose="02020603050405020304" pitchFamily="18" charset="0"/>
+                <a:cs typeface="Times New Roman" panose="02020603050405020304" pitchFamily="18" charset="0"/>
+              </a:rPr>
+              <a:t>)</a:t>
+            </a:r>
           </a:p>
         </p:txBody>
       </p:sp>
@@ -3463,43 +3580,21 @@
                 <a:latin typeface="Times New Roman" panose="02020603050405020304" pitchFamily="18" charset="0"/>
                 <a:cs typeface="Times New Roman" panose="02020603050405020304" pitchFamily="18" charset="0"/>
               </a:rPr>
-              <a:t>(</a:t>
-            </a:r>
-            <a:r>
-              <a:rPr lang="de-DE" dirty="0" err="1">
-                <a:latin typeface="Times New Roman" panose="02020603050405020304" pitchFamily="18" charset="0"/>
-                <a:cs typeface="Times New Roman" panose="02020603050405020304" pitchFamily="18" charset="0"/>
-              </a:rPr>
-              <a:t>physiological</a:t>
-            </a:r>
-            <a:r>
-              <a:rPr lang="de-DE" dirty="0">
-                <a:latin typeface="Times New Roman" panose="02020603050405020304" pitchFamily="18" charset="0"/>
-                <a:cs typeface="Times New Roman" panose="02020603050405020304" pitchFamily="18" charset="0"/>
-              </a:rPr>
-              <a:t>/</a:t>
-            </a:r>
-            <a:r>
-              <a:rPr lang="de-DE" dirty="0" err="1">
-                <a:latin typeface="Times New Roman" panose="02020603050405020304" pitchFamily="18" charset="0"/>
-                <a:cs typeface="Times New Roman" panose="02020603050405020304" pitchFamily="18" charset="0"/>
-              </a:rPr>
-              <a:t>psychological</a:t>
-            </a:r>
-            <a:r>
-              <a:rPr lang="de-DE" dirty="0">
-                <a:latin typeface="Times New Roman" panose="02020603050405020304" pitchFamily="18" charset="0"/>
-                <a:cs typeface="Times New Roman" panose="02020603050405020304" pitchFamily="18" charset="0"/>
-              </a:rPr>
-              <a:t>, e.g. </a:t>
+              <a:t>(e.g., </a:t>
             </a:r>
             <a:r>
               <a:rPr lang="en-US" dirty="0">
                 <a:latin typeface="Times New Roman" panose="02020603050405020304" pitchFamily="18" charset="0"/>
                 <a:cs typeface="Times New Roman" panose="02020603050405020304" pitchFamily="18" charset="0"/>
               </a:rPr>
-              <a:t>situational classroom events)</a:t>
-            </a:r>
+              <a:t>micro-teaching unit with classroom events)</a:t>
+            </a:r>
+          </a:p>
+          <a:p>
+            <a:endParaRPr lang="en-US" dirty="0">
+              <a:latin typeface="Times New Roman" panose="02020603050405020304" pitchFamily="18" charset="0"/>
+              <a:cs typeface="Times New Roman" panose="02020603050405020304" pitchFamily="18" charset="0"/>
+            </a:endParaRPr>
           </a:p>
         </p:txBody>
       </p:sp>
@@ -3518,7 +3613,7 @@
         <p:spPr>
           <a:xfrm>
             <a:off x="2470476" y="1943022"/>
-            <a:ext cx="1420250" cy="3416320"/>
+            <a:ext cx="1420250" cy="2031325"/>
           </a:xfrm>
           <a:prstGeom prst="rect">
             <a:avLst/>
@@ -3577,42 +3672,6 @@
               <a:cs typeface="Times New Roman" panose="02020603050405020304" pitchFamily="18" charset="0"/>
             </a:endParaRPr>
           </a:p>
-          <a:p>
-            <a:endParaRPr lang="de-DE" dirty="0">
-              <a:latin typeface="Times New Roman" panose="02020603050405020304" pitchFamily="18" charset="0"/>
-              <a:cs typeface="Times New Roman" panose="02020603050405020304" pitchFamily="18" charset="0"/>
-            </a:endParaRPr>
-          </a:p>
-          <a:p>
-            <a:endParaRPr lang="de-DE" dirty="0">
-              <a:latin typeface="Times New Roman" panose="02020603050405020304" pitchFamily="18" charset="0"/>
-              <a:cs typeface="Times New Roman" panose="02020603050405020304" pitchFamily="18" charset="0"/>
-            </a:endParaRPr>
-          </a:p>
-          <a:p>
-            <a:endParaRPr lang="de-DE" dirty="0">
-              <a:latin typeface="Times New Roman" panose="02020603050405020304" pitchFamily="18" charset="0"/>
-              <a:cs typeface="Times New Roman" panose="02020603050405020304" pitchFamily="18" charset="0"/>
-            </a:endParaRPr>
-          </a:p>
-          <a:p>
-            <a:r>
-              <a:rPr lang="de-DE" dirty="0">
-                <a:latin typeface="Times New Roman" panose="02020603050405020304" pitchFamily="18" charset="0"/>
-                <a:cs typeface="Times New Roman" panose="02020603050405020304" pitchFamily="18" charset="0"/>
-              </a:rPr>
-              <a:t>Re-appraisal</a:t>
-            </a:r>
-          </a:p>
-          <a:p>
-            <a:r>
-              <a:rPr lang="de-DE" b="1" dirty="0">
-                <a:latin typeface="Times New Roman" panose="02020603050405020304" pitchFamily="18" charset="0"/>
-                <a:cs typeface="Times New Roman" panose="02020603050405020304" pitchFamily="18" charset="0"/>
-              </a:rPr>
-              <a:t>(7)</a:t>
-            </a:r>
-          </a:p>
         </p:txBody>
       </p:sp>
       <p:sp>
@@ -3630,7 +3689,7 @@
         <p:spPr>
           <a:xfrm>
             <a:off x="4348502" y="1943022"/>
-            <a:ext cx="1420250" cy="1754326"/>
+            <a:ext cx="1420250" cy="2031325"/>
           </a:xfrm>
           <a:prstGeom prst="rect">
             <a:avLst/>
@@ -3701,6 +3760,12 @@
               <a:cs typeface="Times New Roman" panose="02020603050405020304" pitchFamily="18" charset="0"/>
             </a:endParaRPr>
           </a:p>
+          <a:p>
+            <a:endParaRPr lang="de-DE" dirty="0">
+              <a:latin typeface="Times New Roman" panose="02020603050405020304" pitchFamily="18" charset="0"/>
+              <a:cs typeface="Times New Roman" panose="02020603050405020304" pitchFamily="18" charset="0"/>
+            </a:endParaRPr>
+          </a:p>
         </p:txBody>
       </p:sp>
       <p:sp>
@@ -3718,7 +3783,7 @@
         <p:spPr>
           <a:xfrm>
             <a:off x="6223189" y="1943022"/>
-            <a:ext cx="1420250" cy="2308324"/>
+            <a:ext cx="1420250" cy="2031325"/>
           </a:xfrm>
           <a:prstGeom prst="rect">
             <a:avLst/>
@@ -3758,16 +3823,6 @@
               </a:rPr>
               <a:t>Secondary appraisal of coping resources</a:t>
             </a:r>
-            <a:endParaRPr lang="de-DE" dirty="0">
-              <a:latin typeface="Times New Roman" panose="02020603050405020304" pitchFamily="18" charset="0"/>
-              <a:cs typeface="Times New Roman" panose="02020603050405020304" pitchFamily="18" charset="0"/>
-            </a:endParaRPr>
-          </a:p>
-          <a:p>
-            <a:endParaRPr lang="de-DE" b="1" dirty="0">
-              <a:latin typeface="Times New Roman" panose="02020603050405020304" pitchFamily="18" charset="0"/>
-              <a:cs typeface="Times New Roman" panose="02020603050405020304" pitchFamily="18" charset="0"/>
-            </a:endParaRPr>
           </a:p>
           <a:p>
             <a:endParaRPr lang="de-DE" dirty="0">
@@ -3839,7 +3894,7 @@
                 <a:latin typeface="Times New Roman" panose="02020603050405020304" pitchFamily="18" charset="0"/>
                 <a:cs typeface="Times New Roman" panose="02020603050405020304" pitchFamily="18" charset="0"/>
               </a:rPr>
-              <a:t>mechanisms</a:t>
+              <a:t>Mechanisms</a:t>
             </a:r>
             <a:endParaRPr lang="de-DE" dirty="0">
               <a:latin typeface="Times New Roman" panose="02020603050405020304" pitchFamily="18" charset="0"/>
@@ -3847,12 +3902,6 @@
             </a:endParaRPr>
           </a:p>
           <a:p>
-            <a:endParaRPr lang="de-DE" b="1" dirty="0">
-              <a:latin typeface="Times New Roman" panose="02020603050405020304" pitchFamily="18" charset="0"/>
-              <a:cs typeface="Times New Roman" panose="02020603050405020304" pitchFamily="18" charset="0"/>
-            </a:endParaRPr>
-          </a:p>
-          <a:p>
             <a:endParaRPr lang="de-DE" dirty="0">
               <a:latin typeface="Times New Roman" panose="02020603050405020304" pitchFamily="18" charset="0"/>
               <a:cs typeface="Times New Roman" panose="02020603050405020304" pitchFamily="18" charset="0"/>
@@ -3864,6 +3913,12 @@
               <a:cs typeface="Times New Roman" panose="02020603050405020304" pitchFamily="18" charset="0"/>
             </a:endParaRPr>
           </a:p>
+          <a:p>
+            <a:endParaRPr lang="de-DE" dirty="0">
+              <a:latin typeface="Times New Roman" panose="02020603050405020304" pitchFamily="18" charset="0"/>
+              <a:cs typeface="Times New Roman" panose="02020603050405020304" pitchFamily="18" charset="0"/>
+            </a:endParaRPr>
+          </a:p>
         </p:txBody>
       </p:sp>
       <p:sp>
@@ -3881,7 +3936,7 @@
         <p:spPr>
           <a:xfrm>
             <a:off x="9972415" y="1943968"/>
-            <a:ext cx="1536883" cy="2862322"/>
+            <a:ext cx="1559185" cy="2585323"/>
           </a:xfrm>
           <a:prstGeom prst="rect">
             <a:avLst/>
@@ -3923,18 +3978,12 @@
             </a:r>
           </a:p>
           <a:p>
-            <a:endParaRPr lang="en-US" dirty="0">
-              <a:latin typeface="Times New Roman" panose="02020603050405020304" pitchFamily="18" charset="0"/>
-              <a:cs typeface="Times New Roman" panose="02020603050405020304" pitchFamily="18" charset="0"/>
-            </a:endParaRPr>
-          </a:p>
-          <a:p>
             <a:r>
               <a:rPr lang="en-US" dirty="0">
                 <a:latin typeface="Times New Roman" panose="02020603050405020304" pitchFamily="18" charset="0"/>
                 <a:cs typeface="Times New Roman" panose="02020603050405020304" pitchFamily="18" charset="0"/>
               </a:rPr>
-              <a:t>(physiological and affective response, </a:t>
+              <a:t>(physiological/ affective response, </a:t>
             </a:r>
           </a:p>
           <a:p>
@@ -3943,7 +3992,7 @@
                 <a:latin typeface="Times New Roman" panose="02020603050405020304" pitchFamily="18" charset="0"/>
                 <a:cs typeface="Times New Roman" panose="02020603050405020304" pitchFamily="18" charset="0"/>
               </a:rPr>
-              <a:t>e.g. increased heart rate</a:t>
+              <a:t>e.g., increased heart rate</a:t>
             </a:r>
           </a:p>
           <a:p>
@@ -3968,7 +4017,7 @@
         </p:nvSpPr>
         <p:spPr>
           <a:xfrm>
-            <a:off x="8942207" y="5478313"/>
+            <a:off x="8980307" y="5129455"/>
             <a:ext cx="2629961" cy="1200329"/>
           </a:xfrm>
           <a:prstGeom prst="rect">
@@ -3992,7 +4041,7 @@
                 <a:latin typeface="Times New Roman" panose="02020603050405020304" pitchFamily="18" charset="0"/>
                 <a:cs typeface="Times New Roman" panose="02020603050405020304" pitchFamily="18" charset="0"/>
               </a:rPr>
-              <a:t>(8)</a:t>
+              <a:t>(7)</a:t>
             </a:r>
           </a:p>
           <a:p>
@@ -4032,7 +4081,7 @@
         </p:nvSpPr>
         <p:spPr>
           <a:xfrm>
-            <a:off x="370709" y="5478314"/>
+            <a:off x="370709" y="5129455"/>
             <a:ext cx="3520017" cy="1200329"/>
           </a:xfrm>
           <a:prstGeom prst="rect">
@@ -4056,7 +4105,7 @@
                 <a:latin typeface="Times New Roman" panose="02020603050405020304" pitchFamily="18" charset="0"/>
                 <a:cs typeface="Times New Roman" panose="02020603050405020304" pitchFamily="18" charset="0"/>
               </a:rPr>
-              <a:t>(9)</a:t>
+              <a:t>(8)</a:t>
             </a:r>
           </a:p>
           <a:p>
@@ -4067,18 +4116,11 @@
           </a:p>
           <a:p>
             <a:r>
-              <a:rPr lang="en-US" dirty="0" err="1">
-                <a:latin typeface="Times New Roman" panose="02020603050405020304" pitchFamily="18" charset="0"/>
-                <a:cs typeface="Times New Roman" panose="02020603050405020304" pitchFamily="18" charset="0"/>
-              </a:rPr>
-              <a:t>Potenial</a:t>
-            </a:r>
-            <a:r>
               <a:rPr lang="en-US" dirty="0">
                 <a:latin typeface="Times New Roman" panose="02020603050405020304" pitchFamily="18" charset="0"/>
                 <a:cs typeface="Times New Roman" panose="02020603050405020304" pitchFamily="18" charset="0"/>
               </a:rPr>
-              <a:t> non occupational stressors</a:t>
+              <a:t>Potential non-occupational stressors</a:t>
             </a:r>
           </a:p>
           <a:p>
@@ -4089,117 +4131,6 @@
           </a:p>
         </p:txBody>
       </p:sp>
-      <p:sp>
-        <p:nvSpPr>
-          <p:cNvPr id="19" name="Textfeld 18">
-            <a:extLst>
-              <a:ext uri="{FF2B5EF4-FFF2-40B4-BE49-F238E27FC236}">
-                <a16:creationId xmlns:a16="http://schemas.microsoft.com/office/drawing/2014/main" id="{904D97BD-B2C1-49D6-B401-AFEFB3C12D2E}"/>
-              </a:ext>
-            </a:extLst>
-          </p:cNvPr>
-          <p:cNvSpPr txBox="1"/>
-          <p:nvPr/>
-        </p:nvSpPr>
-        <p:spPr>
-          <a:xfrm>
-            <a:off x="1570097" y="595578"/>
-            <a:ext cx="2771836" cy="646331"/>
-          </a:xfrm>
-          <a:prstGeom prst="rect">
-            <a:avLst/>
-          </a:prstGeom>
-          <a:noFill/>
-          <a:ln>
-            <a:solidFill>
-              <a:schemeClr val="tx1"/>
-            </a:solidFill>
-          </a:ln>
-        </p:spPr>
-        <p:txBody>
-          <a:bodyPr wrap="square" rtlCol="0">
-            <a:spAutoFit/>
-          </a:bodyPr>
-          <a:lstStyle/>
-          <a:p>
-            <a:pPr algn="ctr"/>
-            <a:r>
-              <a:rPr lang="de-DE" dirty="0" err="1">
-                <a:latin typeface="Times New Roman" panose="02020603050405020304" pitchFamily="18" charset="0"/>
-                <a:cs typeface="Times New Roman" panose="02020603050405020304" pitchFamily="18" charset="0"/>
-              </a:rPr>
-              <a:t>Occupational</a:t>
-            </a:r>
-            <a:r>
-              <a:rPr lang="de-DE" dirty="0">
-                <a:latin typeface="Times New Roman" panose="02020603050405020304" pitchFamily="18" charset="0"/>
-                <a:cs typeface="Times New Roman" panose="02020603050405020304" pitchFamily="18" charset="0"/>
-              </a:rPr>
-              <a:t> </a:t>
-            </a:r>
-            <a:r>
-              <a:rPr lang="de-DE" dirty="0" err="1">
-                <a:latin typeface="Times New Roman" panose="02020603050405020304" pitchFamily="18" charset="0"/>
-                <a:cs typeface="Times New Roman" panose="02020603050405020304" pitchFamily="18" charset="0"/>
-              </a:rPr>
-              <a:t>characteristics</a:t>
-            </a:r>
-            <a:endParaRPr lang="de-DE" dirty="0">
-              <a:latin typeface="Times New Roman" panose="02020603050405020304" pitchFamily="18" charset="0"/>
-              <a:cs typeface="Times New Roman" panose="02020603050405020304" pitchFamily="18" charset="0"/>
-            </a:endParaRPr>
-          </a:p>
-          <a:p>
-            <a:endParaRPr lang="de-DE" dirty="0">
-              <a:latin typeface="Times New Roman" panose="02020603050405020304" pitchFamily="18" charset="0"/>
-              <a:cs typeface="Times New Roman" panose="02020603050405020304" pitchFamily="18" charset="0"/>
-            </a:endParaRPr>
-          </a:p>
-        </p:txBody>
-      </p:sp>
-      <p:cxnSp>
-        <p:nvCxnSpPr>
-          <p:cNvPr id="21" name="Gerade Verbindung mit Pfeil 20">
-            <a:extLst>
-              <a:ext uri="{FF2B5EF4-FFF2-40B4-BE49-F238E27FC236}">
-                <a16:creationId xmlns:a16="http://schemas.microsoft.com/office/drawing/2014/main" id="{754645CC-CE9C-4BB0-9167-650782A902D3}"/>
-              </a:ext>
-            </a:extLst>
-          </p:cNvPr>
-          <p:cNvCxnSpPr>
-            <a:stCxn id="19" idx="3"/>
-            <a:endCxn id="4" idx="1"/>
-          </p:cNvCxnSpPr>
-          <p:nvPr/>
-        </p:nvCxnSpPr>
-        <p:spPr>
-          <a:xfrm>
-            <a:off x="4341933" y="918744"/>
-            <a:ext cx="2445244" cy="1"/>
-          </a:xfrm>
-          <a:prstGeom prst="straightConnector1">
-            <a:avLst/>
-          </a:prstGeom>
-          <a:ln>
-            <a:headEnd type="triangle"/>
-            <a:tailEnd type="triangle"/>
-          </a:ln>
-        </p:spPr>
-        <p:style>
-          <a:lnRef idx="1">
-            <a:schemeClr val="dk1"/>
-          </a:lnRef>
-          <a:fillRef idx="0">
-            <a:schemeClr val="dk1"/>
-          </a:fillRef>
-          <a:effectRef idx="0">
-            <a:schemeClr val="dk1"/>
-          </a:effectRef>
-          <a:fontRef idx="minor">
-            <a:schemeClr val="tx1"/>
-          </a:fontRef>
-        </p:style>
-      </p:cxnSp>
       <p:cxnSp>
         <p:nvCxnSpPr>
           <p:cNvPr id="23" name="Gerade Verbindung mit Pfeil 22">

--- a/02_paper/02_study/02_fitbit paper/images/Model_Teacher_Stress_adapted.pptx
+++ b/02_paper/02_study/02_fitbit paper/images/Model_Teacher_Stress_adapted.pptx
@@ -115,106 +115,26 @@
 <file path=ppt/changesInfos/changesInfo1.xml><?xml version="1.0" encoding="utf-8"?>
 <pc:chgInfo xmlns:a="http://schemas.openxmlformats.org/drawingml/2006/main" xmlns:r="http://schemas.openxmlformats.org/officeDocument/2006/relationships" xmlns:ac="http://schemas.microsoft.com/office/drawing/2013/main/command" xmlns:pc="http://schemas.microsoft.com/office/powerpoint/2013/main/command">
   <pc:docChgLst>
-    <pc:chgData name="Mandy Klatt" userId="505858402c07da9d" providerId="LiveId" clId="{E77E5BD1-ECA6-4394-9625-5600C6F57BB0}"/>
-    <pc:docChg chg="undo custSel modSld">
-      <pc:chgData name="Mandy Klatt" userId="505858402c07da9d" providerId="LiveId" clId="{E77E5BD1-ECA6-4394-9625-5600C6F57BB0}" dt="2024-02-22T14:32:05.405" v="192" actId="20577"/>
+    <pc:chgData name="Mandy Klatt" userId="505858402c07da9d" providerId="LiveId" clId="{5D5AB79F-1299-4738-AFE1-8BF6D3079A4E}"/>
+    <pc:docChg chg="modSld">
+      <pc:chgData name="Mandy Klatt" userId="505858402c07da9d" providerId="LiveId" clId="{5D5AB79F-1299-4738-AFE1-8BF6D3079A4E}" dt="2024-02-26T10:17:59.782" v="0" actId="1582"/>
       <pc:docMkLst>
         <pc:docMk/>
       </pc:docMkLst>
-      <pc:sldChg chg="delSp modSp mod">
-        <pc:chgData name="Mandy Klatt" userId="505858402c07da9d" providerId="LiveId" clId="{E77E5BD1-ECA6-4394-9625-5600C6F57BB0}" dt="2024-02-22T14:32:05.405" v="192" actId="20577"/>
+      <pc:sldChg chg="modSp mod">
+        <pc:chgData name="Mandy Klatt" userId="505858402c07da9d" providerId="LiveId" clId="{5D5AB79F-1299-4738-AFE1-8BF6D3079A4E}" dt="2024-02-26T10:17:59.782" v="0" actId="1582"/>
         <pc:sldMkLst>
           <pc:docMk/>
           <pc:sldMk cId="3067625557" sldId="256"/>
         </pc:sldMkLst>
         <pc:spChg chg="mod">
-          <ac:chgData name="Mandy Klatt" userId="505858402c07da9d" providerId="LiveId" clId="{E77E5BD1-ECA6-4394-9625-5600C6F57BB0}" dt="2024-02-22T14:30:49.375" v="153" actId="14100"/>
-          <ac:spMkLst>
-            <pc:docMk/>
-            <pc:sldMk cId="3067625557" sldId="256"/>
-            <ac:spMk id="4" creationId="{5264A506-4DDE-4E83-B95C-FA5600898B9F}"/>
-          </ac:spMkLst>
-        </pc:spChg>
-        <pc:spChg chg="mod">
-          <ac:chgData name="Mandy Klatt" userId="505858402c07da9d" providerId="LiveId" clId="{E77E5BD1-ECA6-4394-9625-5600C6F57BB0}" dt="2024-02-22T14:31:59.489" v="188" actId="20577"/>
+          <ac:chgData name="Mandy Klatt" userId="505858402c07da9d" providerId="LiveId" clId="{5D5AB79F-1299-4738-AFE1-8BF6D3079A4E}" dt="2024-02-26T10:17:59.782" v="0" actId="1582"/>
           <ac:spMkLst>
             <pc:docMk/>
             <pc:sldMk cId="3067625557" sldId="256"/>
             <ac:spMk id="5" creationId="{113B36CB-CD74-408C-87F2-FA2F595D96E1}"/>
           </ac:spMkLst>
         </pc:spChg>
-        <pc:spChg chg="mod">
-          <ac:chgData name="Mandy Klatt" userId="505858402c07da9d" providerId="LiveId" clId="{E77E5BD1-ECA6-4394-9625-5600C6F57BB0}" dt="2024-02-22T14:32:05.405" v="192" actId="20577"/>
-          <ac:spMkLst>
-            <pc:docMk/>
-            <pc:sldMk cId="3067625557" sldId="256"/>
-            <ac:spMk id="8" creationId="{7F162A45-8B57-4A86-B198-0250972630EF}"/>
-          </ac:spMkLst>
-        </pc:spChg>
-        <pc:spChg chg="mod">
-          <ac:chgData name="Mandy Klatt" userId="505858402c07da9d" providerId="LiveId" clId="{E77E5BD1-ECA6-4394-9625-5600C6F57BB0}" dt="2024-02-22T14:31:14.975" v="160" actId="20577"/>
-          <ac:spMkLst>
-            <pc:docMk/>
-            <pc:sldMk cId="3067625557" sldId="256"/>
-            <ac:spMk id="11" creationId="{D69123BD-30E6-40C3-8411-9E7FC58ABD70}"/>
-          </ac:spMkLst>
-        </pc:spChg>
-        <pc:spChg chg="mod">
-          <ac:chgData name="Mandy Klatt" userId="505858402c07da9d" providerId="LiveId" clId="{E77E5BD1-ECA6-4394-9625-5600C6F57BB0}" dt="2024-02-22T14:31:22.076" v="163" actId="20577"/>
-          <ac:spMkLst>
-            <pc:docMk/>
-            <pc:sldMk cId="3067625557" sldId="256"/>
-            <ac:spMk id="14" creationId="{441913AF-7CB1-44BE-BB8E-179AD4548DC8}"/>
-          </ac:spMkLst>
-        </pc:spChg>
-        <pc:spChg chg="mod">
-          <ac:chgData name="Mandy Klatt" userId="505858402c07da9d" providerId="LiveId" clId="{E77E5BD1-ECA6-4394-9625-5600C6F57BB0}" dt="2024-02-22T14:31:23.399" v="164" actId="20577"/>
-          <ac:spMkLst>
-            <pc:docMk/>
-            <pc:sldMk cId="3067625557" sldId="256"/>
-            <ac:spMk id="15" creationId="{76E22C50-DC2D-48F7-ABAC-EF7F3AC5A564}"/>
-          </ac:spMkLst>
-        </pc:spChg>
-        <pc:spChg chg="mod">
-          <ac:chgData name="Mandy Klatt" userId="505858402c07da9d" providerId="LiveId" clId="{E77E5BD1-ECA6-4394-9625-5600C6F57BB0}" dt="2024-02-22T14:30:59.619" v="159" actId="20577"/>
-          <ac:spMkLst>
-            <pc:docMk/>
-            <pc:sldMk cId="3067625557" sldId="256"/>
-            <ac:spMk id="16" creationId="{E111BC02-1F35-4BCB-9656-4F1DCF651BF1}"/>
-          </ac:spMkLst>
-        </pc:spChg>
-        <pc:spChg chg="mod">
-          <ac:chgData name="Mandy Klatt" userId="505858402c07da9d" providerId="LiveId" clId="{E77E5BD1-ECA6-4394-9625-5600C6F57BB0}" dt="2024-02-22T14:29:08.148" v="127" actId="1076"/>
-          <ac:spMkLst>
-            <pc:docMk/>
-            <pc:sldMk cId="3067625557" sldId="256"/>
-            <ac:spMk id="17" creationId="{B6EBC000-784C-4A38-A593-D2F15EEA6E88}"/>
-          </ac:spMkLst>
-        </pc:spChg>
-        <pc:spChg chg="mod">
-          <ac:chgData name="Mandy Klatt" userId="505858402c07da9d" providerId="LiveId" clId="{E77E5BD1-ECA6-4394-9625-5600C6F57BB0}" dt="2024-02-22T14:29:04.494" v="126" actId="1076"/>
-          <ac:spMkLst>
-            <pc:docMk/>
-            <pc:sldMk cId="3067625557" sldId="256"/>
-            <ac:spMk id="18" creationId="{C6A4BEB2-F650-4704-98F8-61E53F074BF8}"/>
-          </ac:spMkLst>
-        </pc:spChg>
-        <pc:spChg chg="del">
-          <ac:chgData name="Mandy Klatt" userId="505858402c07da9d" providerId="LiveId" clId="{E77E5BD1-ECA6-4394-9625-5600C6F57BB0}" dt="2024-02-22T14:28:13.182" v="116" actId="478"/>
-          <ac:spMkLst>
-            <pc:docMk/>
-            <pc:sldMk cId="3067625557" sldId="256"/>
-            <ac:spMk id="19" creationId="{904D97BD-B2C1-49D6-B401-AFEFB3C12D2E}"/>
-          </ac:spMkLst>
-        </pc:spChg>
-        <pc:cxnChg chg="del mod">
-          <ac:chgData name="Mandy Klatt" userId="505858402c07da9d" providerId="LiveId" clId="{E77E5BD1-ECA6-4394-9625-5600C6F57BB0}" dt="2024-02-22T14:28:15.197" v="117" actId="478"/>
-          <ac:cxnSpMkLst>
-            <pc:docMk/>
-            <pc:sldMk cId="3067625557" sldId="256"/>
-            <ac:cxnSpMk id="21" creationId="{754645CC-CE9C-4BB0-9167-650782A902D3}"/>
-          </ac:cxnSpMkLst>
-        </pc:cxnChg>
       </pc:sldChg>
     </pc:docChg>
   </pc:docChgLst>
@@ -368,7 +288,7 @@
           <a:p>
             <a:fld id="{498B1C74-F59F-4DD0-82BC-6493AE2D9975}" type="datetimeFigureOut">
               <a:rPr lang="de-DE" smtClean="0"/>
-              <a:t>22.02.2024</a:t>
+              <a:t>26.02.2024</a:t>
             </a:fld>
             <a:endParaRPr lang="de-DE"/>
           </a:p>
@@ -566,7 +486,7 @@
           <a:p>
             <a:fld id="{498B1C74-F59F-4DD0-82BC-6493AE2D9975}" type="datetimeFigureOut">
               <a:rPr lang="de-DE" smtClean="0"/>
-              <a:t>22.02.2024</a:t>
+              <a:t>26.02.2024</a:t>
             </a:fld>
             <a:endParaRPr lang="de-DE"/>
           </a:p>
@@ -774,7 +694,7 @@
           <a:p>
             <a:fld id="{498B1C74-F59F-4DD0-82BC-6493AE2D9975}" type="datetimeFigureOut">
               <a:rPr lang="de-DE" smtClean="0"/>
-              <a:t>22.02.2024</a:t>
+              <a:t>26.02.2024</a:t>
             </a:fld>
             <a:endParaRPr lang="de-DE"/>
           </a:p>
@@ -972,7 +892,7 @@
           <a:p>
             <a:fld id="{498B1C74-F59F-4DD0-82BC-6493AE2D9975}" type="datetimeFigureOut">
               <a:rPr lang="de-DE" smtClean="0"/>
-              <a:t>22.02.2024</a:t>
+              <a:t>26.02.2024</a:t>
             </a:fld>
             <a:endParaRPr lang="de-DE"/>
           </a:p>
@@ -1247,7 +1167,7 @@
           <a:p>
             <a:fld id="{498B1C74-F59F-4DD0-82BC-6493AE2D9975}" type="datetimeFigureOut">
               <a:rPr lang="de-DE" smtClean="0"/>
-              <a:t>22.02.2024</a:t>
+              <a:t>26.02.2024</a:t>
             </a:fld>
             <a:endParaRPr lang="de-DE"/>
           </a:p>
@@ -1512,7 +1432,7 @@
           <a:p>
             <a:fld id="{498B1C74-F59F-4DD0-82BC-6493AE2D9975}" type="datetimeFigureOut">
               <a:rPr lang="de-DE" smtClean="0"/>
-              <a:t>22.02.2024</a:t>
+              <a:t>26.02.2024</a:t>
             </a:fld>
             <a:endParaRPr lang="de-DE"/>
           </a:p>
@@ -1924,7 +1844,7 @@
           <a:p>
             <a:fld id="{498B1C74-F59F-4DD0-82BC-6493AE2D9975}" type="datetimeFigureOut">
               <a:rPr lang="de-DE" smtClean="0"/>
-              <a:t>22.02.2024</a:t>
+              <a:t>26.02.2024</a:t>
             </a:fld>
             <a:endParaRPr lang="de-DE"/>
           </a:p>
@@ -2065,7 +1985,7 @@
           <a:p>
             <a:fld id="{498B1C74-F59F-4DD0-82BC-6493AE2D9975}" type="datetimeFigureOut">
               <a:rPr lang="de-DE" smtClean="0"/>
-              <a:t>22.02.2024</a:t>
+              <a:t>26.02.2024</a:t>
             </a:fld>
             <a:endParaRPr lang="de-DE"/>
           </a:p>
@@ -2178,7 +2098,7 @@
           <a:p>
             <a:fld id="{498B1C74-F59F-4DD0-82BC-6493AE2D9975}" type="datetimeFigureOut">
               <a:rPr lang="de-DE" smtClean="0"/>
-              <a:t>22.02.2024</a:t>
+              <a:t>26.02.2024</a:t>
             </a:fld>
             <a:endParaRPr lang="de-DE"/>
           </a:p>
@@ -2489,7 +2409,7 @@
           <a:p>
             <a:fld id="{498B1C74-F59F-4DD0-82BC-6493AE2D9975}" type="datetimeFigureOut">
               <a:rPr lang="de-DE" smtClean="0"/>
-              <a:t>22.02.2024</a:t>
+              <a:t>26.02.2024</a:t>
             </a:fld>
             <a:endParaRPr lang="de-DE"/>
           </a:p>
@@ -2777,7 +2697,7 @@
           <a:p>
             <a:fld id="{498B1C74-F59F-4DD0-82BC-6493AE2D9975}" type="datetimeFigureOut">
               <a:rPr lang="de-DE" smtClean="0"/>
-              <a:t>22.02.2024</a:t>
+              <a:t>26.02.2024</a:t>
             </a:fld>
             <a:endParaRPr lang="de-DE"/>
           </a:p>
@@ -3018,7 +2938,7 @@
           <a:p>
             <a:fld id="{498B1C74-F59F-4DD0-82BC-6493AE2D9975}" type="datetimeFigureOut">
               <a:rPr lang="de-DE" smtClean="0"/>
-              <a:t>22.02.2024</a:t>
+              <a:t>26.02.2024</a:t>
             </a:fld>
             <a:endParaRPr lang="de-DE"/>
           </a:p>
@@ -3449,7 +3369,7 @@
         </p:nvSpPr>
         <p:spPr>
           <a:xfrm>
-            <a:off x="4837270" y="580637"/>
+            <a:off x="4559362" y="539652"/>
             <a:ext cx="2877979" cy="646331"/>
           </a:xfrm>
           <a:prstGeom prst="rect">
@@ -3528,7 +3448,7 @@
             <a:avLst/>
           </a:prstGeom>
           <a:noFill/>
-          <a:ln>
+          <a:ln w="28575">
             <a:solidFill>
               <a:schemeClr val="tx1"/>
             </a:solidFill>
@@ -3846,7 +3766,7 @@
         </p:nvSpPr>
         <p:spPr>
           <a:xfrm>
-            <a:off x="8097802" y="1943022"/>
+            <a:off x="8102565" y="1943022"/>
             <a:ext cx="1420250" cy="2031325"/>
           </a:xfrm>
           <a:prstGeom prst="rect">
@@ -3894,7 +3814,7 @@
                 <a:latin typeface="Times New Roman" panose="02020603050405020304" pitchFamily="18" charset="0"/>
                 <a:cs typeface="Times New Roman" panose="02020603050405020304" pitchFamily="18" charset="0"/>
               </a:rPr>
-              <a:t>Mechanisms</a:t>
+              <a:t>mechanisms</a:t>
             </a:r>
             <a:endParaRPr lang="de-DE" dirty="0">
               <a:latin typeface="Times New Roman" panose="02020603050405020304" pitchFamily="18" charset="0"/>
@@ -4147,7 +4067,7 @@
         </p:nvCxnSpPr>
         <p:spPr>
           <a:xfrm>
-            <a:off x="2016732" y="3375129"/>
+            <a:off x="2016732" y="2958684"/>
             <a:ext cx="453744" cy="0"/>
           </a:xfrm>
           <a:prstGeom prst="straightConnector1">
@@ -4186,7 +4106,7 @@
         </p:nvCxnSpPr>
         <p:spPr>
           <a:xfrm>
-            <a:off x="3890726" y="3375129"/>
+            <a:off x="3897295" y="2984229"/>
             <a:ext cx="451207" cy="0"/>
           </a:xfrm>
           <a:prstGeom prst="straightConnector1">
@@ -4225,7 +4145,7 @@
         </p:nvCxnSpPr>
         <p:spPr>
           <a:xfrm>
-            <a:off x="5773515" y="3375129"/>
+            <a:off x="5785403" y="2984229"/>
             <a:ext cx="449674" cy="0"/>
           </a:xfrm>
           <a:prstGeom prst="straightConnector1">
@@ -4264,7 +4184,7 @@
         </p:nvCxnSpPr>
         <p:spPr>
           <a:xfrm>
-            <a:off x="7648202" y="3375129"/>
+            <a:off x="7651358" y="2984229"/>
             <a:ext cx="451207" cy="0"/>
           </a:xfrm>
           <a:prstGeom prst="straightConnector1">
@@ -4303,8 +4223,647 @@
         </p:nvCxnSpPr>
         <p:spPr>
           <a:xfrm>
-            <a:off x="9522815" y="3375129"/>
+            <a:off x="9521208" y="2998023"/>
             <a:ext cx="451207" cy="0"/>
+          </a:xfrm>
+          <a:prstGeom prst="straightConnector1">
+            <a:avLst/>
+          </a:prstGeom>
+          <a:ln>
+            <a:tailEnd type="triangle"/>
+          </a:ln>
+        </p:spPr>
+        <p:style>
+          <a:lnRef idx="1">
+            <a:schemeClr val="dk1"/>
+          </a:lnRef>
+          <a:fillRef idx="0">
+            <a:schemeClr val="dk1"/>
+          </a:fillRef>
+          <a:effectRef idx="0">
+            <a:schemeClr val="dk1"/>
+          </a:effectRef>
+          <a:fontRef idx="minor">
+            <a:schemeClr val="tx1"/>
+          </a:fontRef>
+        </p:style>
+      </p:cxnSp>
+      <p:cxnSp>
+        <p:nvCxnSpPr>
+          <p:cNvPr id="24" name="Gerade Verbindung 23">
+            <a:extLst>
+              <a:ext uri="{FF2B5EF4-FFF2-40B4-BE49-F238E27FC236}">
+                <a16:creationId xmlns:a16="http://schemas.microsoft.com/office/drawing/2014/main" id="{CE7A3E71-B560-9638-D282-75D9DC6B716C}"/>
+              </a:ext>
+            </a:extLst>
+          </p:cNvPr>
+          <p:cNvCxnSpPr>
+            <a:cxnSpLocks/>
+          </p:cNvCxnSpPr>
+          <p:nvPr/>
+        </p:nvCxnSpPr>
+        <p:spPr>
+          <a:xfrm>
+            <a:off x="8812690" y="3974347"/>
+            <a:ext cx="0" cy="361579"/>
+          </a:xfrm>
+          <a:prstGeom prst="line">
+            <a:avLst/>
+          </a:prstGeom>
+        </p:spPr>
+        <p:style>
+          <a:lnRef idx="1">
+            <a:schemeClr val="dk1"/>
+          </a:lnRef>
+          <a:fillRef idx="0">
+            <a:schemeClr val="dk1"/>
+          </a:fillRef>
+          <a:effectRef idx="0">
+            <a:schemeClr val="dk1"/>
+          </a:effectRef>
+          <a:fontRef idx="minor">
+            <a:schemeClr val="tx1"/>
+          </a:fontRef>
+        </p:style>
+      </p:cxnSp>
+      <p:cxnSp>
+        <p:nvCxnSpPr>
+          <p:cNvPr id="25" name="Gerade Verbindung mit Pfeil 24">
+            <a:extLst>
+              <a:ext uri="{FF2B5EF4-FFF2-40B4-BE49-F238E27FC236}">
+                <a16:creationId xmlns:a16="http://schemas.microsoft.com/office/drawing/2014/main" id="{7DB16E5A-8073-72C8-6505-9B127CC90E5A}"/>
+              </a:ext>
+            </a:extLst>
+          </p:cNvPr>
+          <p:cNvCxnSpPr>
+            <a:cxnSpLocks/>
+          </p:cNvCxnSpPr>
+          <p:nvPr/>
+        </p:nvCxnSpPr>
+        <p:spPr>
+          <a:xfrm flipV="1">
+            <a:off x="2713249" y="3974347"/>
+            <a:ext cx="0" cy="1155108"/>
+          </a:xfrm>
+          <a:prstGeom prst="straightConnector1">
+            <a:avLst/>
+          </a:prstGeom>
+          <a:ln>
+            <a:tailEnd type="triangle"/>
+          </a:ln>
+        </p:spPr>
+        <p:style>
+          <a:lnRef idx="1">
+            <a:schemeClr val="dk1"/>
+          </a:lnRef>
+          <a:fillRef idx="0">
+            <a:schemeClr val="dk1"/>
+          </a:fillRef>
+          <a:effectRef idx="0">
+            <a:schemeClr val="dk1"/>
+          </a:effectRef>
+          <a:fontRef idx="minor">
+            <a:schemeClr val="tx1"/>
+          </a:fontRef>
+        </p:style>
+      </p:cxnSp>
+      <p:cxnSp>
+        <p:nvCxnSpPr>
+          <p:cNvPr id="36" name="Gerade Verbindung mit Pfeil 35">
+            <a:extLst>
+              <a:ext uri="{FF2B5EF4-FFF2-40B4-BE49-F238E27FC236}">
+                <a16:creationId xmlns:a16="http://schemas.microsoft.com/office/drawing/2014/main" id="{5466E665-719A-53A7-8EA5-DA067D2426F6}"/>
+              </a:ext>
+            </a:extLst>
+          </p:cNvPr>
+          <p:cNvCxnSpPr>
+            <a:cxnSpLocks/>
+          </p:cNvCxnSpPr>
+          <p:nvPr/>
+        </p:nvCxnSpPr>
+        <p:spPr>
+          <a:xfrm flipV="1">
+            <a:off x="3141685" y="3974347"/>
+            <a:ext cx="0" cy="866331"/>
+          </a:xfrm>
+          <a:prstGeom prst="straightConnector1">
+            <a:avLst/>
+          </a:prstGeom>
+          <a:ln>
+            <a:tailEnd type="triangle"/>
+          </a:ln>
+        </p:spPr>
+        <p:style>
+          <a:lnRef idx="1">
+            <a:schemeClr val="dk1"/>
+          </a:lnRef>
+          <a:fillRef idx="0">
+            <a:schemeClr val="dk1"/>
+          </a:fillRef>
+          <a:effectRef idx="0">
+            <a:schemeClr val="dk1"/>
+          </a:effectRef>
+          <a:fontRef idx="minor">
+            <a:schemeClr val="tx1"/>
+          </a:fontRef>
+        </p:style>
+      </p:cxnSp>
+      <p:cxnSp>
+        <p:nvCxnSpPr>
+          <p:cNvPr id="38" name="Gerade Verbindung mit Pfeil 37">
+            <a:extLst>
+              <a:ext uri="{FF2B5EF4-FFF2-40B4-BE49-F238E27FC236}">
+                <a16:creationId xmlns:a16="http://schemas.microsoft.com/office/drawing/2014/main" id="{853671D7-E2B4-3DA8-1483-8AFC3D18E754}"/>
+              </a:ext>
+            </a:extLst>
+          </p:cNvPr>
+          <p:cNvCxnSpPr>
+            <a:cxnSpLocks/>
+          </p:cNvCxnSpPr>
+          <p:nvPr/>
+        </p:nvCxnSpPr>
+        <p:spPr>
+          <a:xfrm flipV="1">
+            <a:off x="3580956" y="3974347"/>
+            <a:ext cx="0" cy="361579"/>
+          </a:xfrm>
+          <a:prstGeom prst="straightConnector1">
+            <a:avLst/>
+          </a:prstGeom>
+          <a:ln>
+            <a:tailEnd type="triangle"/>
+          </a:ln>
+        </p:spPr>
+        <p:style>
+          <a:lnRef idx="1">
+            <a:schemeClr val="dk1"/>
+          </a:lnRef>
+          <a:fillRef idx="0">
+            <a:schemeClr val="dk1"/>
+          </a:fillRef>
+          <a:effectRef idx="0">
+            <a:schemeClr val="dk1"/>
+          </a:effectRef>
+          <a:fontRef idx="minor">
+            <a:schemeClr val="tx1"/>
+          </a:fontRef>
+        </p:style>
+      </p:cxnSp>
+      <p:cxnSp>
+        <p:nvCxnSpPr>
+          <p:cNvPr id="40" name="Gerade Verbindung 39">
+            <a:extLst>
+              <a:ext uri="{FF2B5EF4-FFF2-40B4-BE49-F238E27FC236}">
+                <a16:creationId xmlns:a16="http://schemas.microsoft.com/office/drawing/2014/main" id="{3B65BE80-FE2D-EBD2-5DD3-7DE1F3C77AEE}"/>
+              </a:ext>
+            </a:extLst>
+          </p:cNvPr>
+          <p:cNvCxnSpPr>
+            <a:cxnSpLocks/>
+          </p:cNvCxnSpPr>
+          <p:nvPr/>
+        </p:nvCxnSpPr>
+        <p:spPr>
+          <a:xfrm>
+            <a:off x="3580956" y="4335926"/>
+            <a:ext cx="5231734" cy="0"/>
+          </a:xfrm>
+          <a:prstGeom prst="line">
+            <a:avLst/>
+          </a:prstGeom>
+        </p:spPr>
+        <p:style>
+          <a:lnRef idx="1">
+            <a:schemeClr val="dk1"/>
+          </a:lnRef>
+          <a:fillRef idx="0">
+            <a:schemeClr val="dk1"/>
+          </a:fillRef>
+          <a:effectRef idx="0">
+            <a:schemeClr val="dk1"/>
+          </a:effectRef>
+          <a:fontRef idx="minor">
+            <a:schemeClr val="tx1"/>
+          </a:fontRef>
+        </p:style>
+      </p:cxnSp>
+      <p:cxnSp>
+        <p:nvCxnSpPr>
+          <p:cNvPr id="43" name="Gerade Verbindung 42">
+            <a:extLst>
+              <a:ext uri="{FF2B5EF4-FFF2-40B4-BE49-F238E27FC236}">
+                <a16:creationId xmlns:a16="http://schemas.microsoft.com/office/drawing/2014/main" id="{D05AEA29-F808-C25C-057C-94261F37D1D2}"/>
+              </a:ext>
+            </a:extLst>
+          </p:cNvPr>
+          <p:cNvCxnSpPr>
+            <a:cxnSpLocks/>
+          </p:cNvCxnSpPr>
+          <p:nvPr/>
+        </p:nvCxnSpPr>
+        <p:spPr>
+          <a:xfrm>
+            <a:off x="3141685" y="4840678"/>
+            <a:ext cx="7610322" cy="0"/>
+          </a:xfrm>
+          <a:prstGeom prst="line">
+            <a:avLst/>
+          </a:prstGeom>
+        </p:spPr>
+        <p:style>
+          <a:lnRef idx="1">
+            <a:schemeClr val="dk1"/>
+          </a:lnRef>
+          <a:fillRef idx="0">
+            <a:schemeClr val="dk1"/>
+          </a:fillRef>
+          <a:effectRef idx="0">
+            <a:schemeClr val="dk1"/>
+          </a:effectRef>
+          <a:fontRef idx="minor">
+            <a:schemeClr val="tx1"/>
+          </a:fontRef>
+        </p:style>
+      </p:cxnSp>
+      <p:cxnSp>
+        <p:nvCxnSpPr>
+          <p:cNvPr id="45" name="Gerade Verbindung 44">
+            <a:extLst>
+              <a:ext uri="{FF2B5EF4-FFF2-40B4-BE49-F238E27FC236}">
+                <a16:creationId xmlns:a16="http://schemas.microsoft.com/office/drawing/2014/main" id="{0025D9FE-2FEE-DADD-B72C-6B63B95BD26B}"/>
+              </a:ext>
+            </a:extLst>
+          </p:cNvPr>
+          <p:cNvCxnSpPr>
+            <a:cxnSpLocks/>
+            <a:stCxn id="16" idx="2"/>
+          </p:cNvCxnSpPr>
+          <p:nvPr/>
+        </p:nvCxnSpPr>
+        <p:spPr>
+          <a:xfrm>
+            <a:off x="10752008" y="4529291"/>
+            <a:ext cx="0" cy="311387"/>
+          </a:xfrm>
+          <a:prstGeom prst="line">
+            <a:avLst/>
+          </a:prstGeom>
+        </p:spPr>
+        <p:style>
+          <a:lnRef idx="1">
+            <a:schemeClr val="dk1"/>
+          </a:lnRef>
+          <a:fillRef idx="0">
+            <a:schemeClr val="dk1"/>
+          </a:fillRef>
+          <a:effectRef idx="0">
+            <a:schemeClr val="dk1"/>
+          </a:effectRef>
+          <a:fontRef idx="minor">
+            <a:schemeClr val="tx1"/>
+          </a:fontRef>
+        </p:style>
+      </p:cxnSp>
+      <p:cxnSp>
+        <p:nvCxnSpPr>
+          <p:cNvPr id="52" name="Gerade Verbindung mit Pfeil 51">
+            <a:extLst>
+              <a:ext uri="{FF2B5EF4-FFF2-40B4-BE49-F238E27FC236}">
+                <a16:creationId xmlns:a16="http://schemas.microsoft.com/office/drawing/2014/main" id="{FBA008D2-ABAB-D5FB-CC7A-9DC50D6106A8}"/>
+              </a:ext>
+            </a:extLst>
+          </p:cNvPr>
+          <p:cNvCxnSpPr>
+            <a:cxnSpLocks/>
+            <a:stCxn id="17" idx="1"/>
+            <a:endCxn id="18" idx="3"/>
+          </p:cNvCxnSpPr>
+          <p:nvPr/>
+        </p:nvCxnSpPr>
+        <p:spPr>
+          <a:xfrm flipH="1">
+            <a:off x="3890726" y="5729620"/>
+            <a:ext cx="5089581" cy="0"/>
+          </a:xfrm>
+          <a:prstGeom prst="straightConnector1">
+            <a:avLst/>
+          </a:prstGeom>
+          <a:ln>
+            <a:tailEnd type="triangle"/>
+          </a:ln>
+        </p:spPr>
+        <p:style>
+          <a:lnRef idx="1">
+            <a:schemeClr val="dk1"/>
+          </a:lnRef>
+          <a:fillRef idx="0">
+            <a:schemeClr val="dk1"/>
+          </a:fillRef>
+          <a:effectRef idx="0">
+            <a:schemeClr val="dk1"/>
+          </a:effectRef>
+          <a:fontRef idx="minor">
+            <a:schemeClr val="tx1"/>
+          </a:fontRef>
+        </p:style>
+      </p:cxnSp>
+      <p:cxnSp>
+        <p:nvCxnSpPr>
+          <p:cNvPr id="55" name="Gerade Verbindung mit Pfeil 54">
+            <a:extLst>
+              <a:ext uri="{FF2B5EF4-FFF2-40B4-BE49-F238E27FC236}">
+                <a16:creationId xmlns:a16="http://schemas.microsoft.com/office/drawing/2014/main" id="{F1D7FE9D-6E9A-5CB3-7BC6-ACC728FB8101}"/>
+              </a:ext>
+            </a:extLst>
+          </p:cNvPr>
+          <p:cNvCxnSpPr>
+            <a:cxnSpLocks/>
+          </p:cNvCxnSpPr>
+          <p:nvPr/>
+        </p:nvCxnSpPr>
+        <p:spPr>
+          <a:xfrm>
+            <a:off x="11101137" y="4529290"/>
+            <a:ext cx="0" cy="600165"/>
+          </a:xfrm>
+          <a:prstGeom prst="straightConnector1">
+            <a:avLst/>
+          </a:prstGeom>
+          <a:ln>
+            <a:tailEnd type="triangle"/>
+          </a:ln>
+        </p:spPr>
+        <p:style>
+          <a:lnRef idx="1">
+            <a:schemeClr val="dk1"/>
+          </a:lnRef>
+          <a:fillRef idx="0">
+            <a:schemeClr val="dk1"/>
+          </a:fillRef>
+          <a:effectRef idx="0">
+            <a:schemeClr val="dk1"/>
+          </a:effectRef>
+          <a:fontRef idx="minor">
+            <a:schemeClr val="tx1"/>
+          </a:fontRef>
+        </p:style>
+      </p:cxnSp>
+      <p:cxnSp>
+        <p:nvCxnSpPr>
+          <p:cNvPr id="2" name="Gerade Verbindung mit Pfeil 1">
+            <a:extLst>
+              <a:ext uri="{FF2B5EF4-FFF2-40B4-BE49-F238E27FC236}">
+                <a16:creationId xmlns:a16="http://schemas.microsoft.com/office/drawing/2014/main" id="{18819259-5B6D-3B9D-DF0A-514A3ABD6194}"/>
+              </a:ext>
+            </a:extLst>
+          </p:cNvPr>
+          <p:cNvCxnSpPr>
+            <a:cxnSpLocks/>
+          </p:cNvCxnSpPr>
+          <p:nvPr/>
+        </p:nvCxnSpPr>
+        <p:spPr>
+          <a:xfrm>
+            <a:off x="8790138" y="1578871"/>
+            <a:ext cx="0" cy="364151"/>
+          </a:xfrm>
+          <a:prstGeom prst="straightConnector1">
+            <a:avLst/>
+          </a:prstGeom>
+          <a:ln>
+            <a:tailEnd type="triangle"/>
+          </a:ln>
+        </p:spPr>
+        <p:style>
+          <a:lnRef idx="1">
+            <a:schemeClr val="dk1"/>
+          </a:lnRef>
+          <a:fillRef idx="0">
+            <a:schemeClr val="dk1"/>
+          </a:fillRef>
+          <a:effectRef idx="0">
+            <a:schemeClr val="dk1"/>
+          </a:effectRef>
+          <a:fontRef idx="minor">
+            <a:schemeClr val="tx1"/>
+          </a:fontRef>
+        </p:style>
+      </p:cxnSp>
+      <p:cxnSp>
+        <p:nvCxnSpPr>
+          <p:cNvPr id="7" name="Gerade Verbindung mit Pfeil 6">
+            <a:extLst>
+              <a:ext uri="{FF2B5EF4-FFF2-40B4-BE49-F238E27FC236}">
+                <a16:creationId xmlns:a16="http://schemas.microsoft.com/office/drawing/2014/main" id="{87748F17-D02A-17C4-8653-40BABEF160A9}"/>
+              </a:ext>
+            </a:extLst>
+          </p:cNvPr>
+          <p:cNvCxnSpPr>
+            <a:cxnSpLocks/>
+          </p:cNvCxnSpPr>
+          <p:nvPr/>
+        </p:nvCxnSpPr>
+        <p:spPr>
+          <a:xfrm>
+            <a:off x="3148284" y="1578871"/>
+            <a:ext cx="0" cy="364151"/>
+          </a:xfrm>
+          <a:prstGeom prst="straightConnector1">
+            <a:avLst/>
+          </a:prstGeom>
+          <a:ln>
+            <a:tailEnd type="triangle"/>
+          </a:ln>
+        </p:spPr>
+        <p:style>
+          <a:lnRef idx="1">
+            <a:schemeClr val="dk1"/>
+          </a:lnRef>
+          <a:fillRef idx="0">
+            <a:schemeClr val="dk1"/>
+          </a:fillRef>
+          <a:effectRef idx="0">
+            <a:schemeClr val="dk1"/>
+          </a:effectRef>
+          <a:fontRef idx="minor">
+            <a:schemeClr val="tx1"/>
+          </a:fontRef>
+        </p:style>
+      </p:cxnSp>
+      <p:cxnSp>
+        <p:nvCxnSpPr>
+          <p:cNvPr id="9" name="Gerade Verbindung 8">
+            <a:extLst>
+              <a:ext uri="{FF2B5EF4-FFF2-40B4-BE49-F238E27FC236}">
+                <a16:creationId xmlns:a16="http://schemas.microsoft.com/office/drawing/2014/main" id="{39A2FBD9-8D60-6AD4-104B-72139EA7A160}"/>
+              </a:ext>
+            </a:extLst>
+          </p:cNvPr>
+          <p:cNvCxnSpPr>
+            <a:cxnSpLocks/>
+          </p:cNvCxnSpPr>
+          <p:nvPr/>
+        </p:nvCxnSpPr>
+        <p:spPr>
+          <a:xfrm>
+            <a:off x="3148284" y="1578871"/>
+            <a:ext cx="5641854" cy="0"/>
+          </a:xfrm>
+          <a:prstGeom prst="line">
+            <a:avLst/>
+          </a:prstGeom>
+        </p:spPr>
+        <p:style>
+          <a:lnRef idx="1">
+            <a:schemeClr val="dk1"/>
+          </a:lnRef>
+          <a:fillRef idx="0">
+            <a:schemeClr val="dk1"/>
+          </a:fillRef>
+          <a:effectRef idx="0">
+            <a:schemeClr val="dk1"/>
+          </a:effectRef>
+          <a:fontRef idx="minor">
+            <a:schemeClr val="tx1"/>
+          </a:fontRef>
+        </p:style>
+      </p:cxnSp>
+      <p:cxnSp>
+        <p:nvCxnSpPr>
+          <p:cNvPr id="20" name="Gerade Verbindung 19">
+            <a:extLst>
+              <a:ext uri="{FF2B5EF4-FFF2-40B4-BE49-F238E27FC236}">
+                <a16:creationId xmlns:a16="http://schemas.microsoft.com/office/drawing/2014/main" id="{0C047FC9-72B4-F0DE-9461-1C842286C002}"/>
+              </a:ext>
+            </a:extLst>
+          </p:cNvPr>
+          <p:cNvCxnSpPr>
+            <a:cxnSpLocks/>
+          </p:cNvCxnSpPr>
+          <p:nvPr/>
+        </p:nvCxnSpPr>
+        <p:spPr>
+          <a:xfrm>
+            <a:off x="5969211" y="1185983"/>
+            <a:ext cx="0" cy="392888"/>
+          </a:xfrm>
+          <a:prstGeom prst="line">
+            <a:avLst/>
+          </a:prstGeom>
+        </p:spPr>
+        <p:style>
+          <a:lnRef idx="1">
+            <a:schemeClr val="dk1"/>
+          </a:lnRef>
+          <a:fillRef idx="0">
+            <a:schemeClr val="dk1"/>
+          </a:fillRef>
+          <a:effectRef idx="0">
+            <a:schemeClr val="dk1"/>
+          </a:effectRef>
+          <a:fontRef idx="minor">
+            <a:schemeClr val="tx1"/>
+          </a:fontRef>
+        </p:style>
+      </p:cxnSp>
+      <p:cxnSp>
+        <p:nvCxnSpPr>
+          <p:cNvPr id="26" name="Gerade Verbindung 25">
+            <a:extLst>
+              <a:ext uri="{FF2B5EF4-FFF2-40B4-BE49-F238E27FC236}">
+                <a16:creationId xmlns:a16="http://schemas.microsoft.com/office/drawing/2014/main" id="{69ACED7C-8706-C347-B044-591C4314993D}"/>
+              </a:ext>
+            </a:extLst>
+          </p:cNvPr>
+          <p:cNvCxnSpPr>
+            <a:cxnSpLocks/>
+          </p:cNvCxnSpPr>
+          <p:nvPr/>
+        </p:nvCxnSpPr>
+        <p:spPr>
+          <a:xfrm>
+            <a:off x="10752007" y="862817"/>
+            <a:ext cx="0" cy="1080205"/>
+          </a:xfrm>
+          <a:prstGeom prst="line">
+            <a:avLst/>
+          </a:prstGeom>
+        </p:spPr>
+        <p:style>
+          <a:lnRef idx="1">
+            <a:schemeClr val="dk1"/>
+          </a:lnRef>
+          <a:fillRef idx="0">
+            <a:schemeClr val="dk1"/>
+          </a:fillRef>
+          <a:effectRef idx="0">
+            <a:schemeClr val="dk1"/>
+          </a:effectRef>
+          <a:fontRef idx="minor">
+            <a:schemeClr val="tx1"/>
+          </a:fontRef>
+        </p:style>
+      </p:cxnSp>
+      <p:cxnSp>
+        <p:nvCxnSpPr>
+          <p:cNvPr id="32" name="Gerade Verbindung mit Pfeil 31">
+            <a:extLst>
+              <a:ext uri="{FF2B5EF4-FFF2-40B4-BE49-F238E27FC236}">
+                <a16:creationId xmlns:a16="http://schemas.microsoft.com/office/drawing/2014/main" id="{CE7E96F6-6719-2468-D584-7A8A30E948D2}"/>
+              </a:ext>
+            </a:extLst>
+          </p:cNvPr>
+          <p:cNvCxnSpPr>
+            <a:cxnSpLocks/>
+            <a:endCxn id="4" idx="3"/>
+          </p:cNvCxnSpPr>
+          <p:nvPr/>
+        </p:nvCxnSpPr>
+        <p:spPr>
+          <a:xfrm flipH="1">
+            <a:off x="7437341" y="862817"/>
+            <a:ext cx="3314665" cy="1"/>
+          </a:xfrm>
+          <a:prstGeom prst="straightConnector1">
+            <a:avLst/>
+          </a:prstGeom>
+          <a:ln>
+            <a:tailEnd type="triangle"/>
+          </a:ln>
+        </p:spPr>
+        <p:style>
+          <a:lnRef idx="1">
+            <a:schemeClr val="dk1"/>
+          </a:lnRef>
+          <a:fillRef idx="0">
+            <a:schemeClr val="dk1"/>
+          </a:fillRef>
+          <a:effectRef idx="0">
+            <a:schemeClr val="dk1"/>
+          </a:effectRef>
+          <a:fontRef idx="minor">
+            <a:schemeClr val="tx1"/>
+          </a:fontRef>
+        </p:style>
+      </p:cxnSp>
+      <p:cxnSp>
+        <p:nvCxnSpPr>
+          <p:cNvPr id="33" name="Gerade Verbindung mit Pfeil 32">
+            <a:extLst>
+              <a:ext uri="{FF2B5EF4-FFF2-40B4-BE49-F238E27FC236}">
+                <a16:creationId xmlns:a16="http://schemas.microsoft.com/office/drawing/2014/main" id="{CD1053C0-9D98-4318-98D3-8A116F7F9884}"/>
+              </a:ext>
+            </a:extLst>
+          </p:cNvPr>
+          <p:cNvCxnSpPr>
+            <a:cxnSpLocks/>
+          </p:cNvCxnSpPr>
+          <p:nvPr/>
+        </p:nvCxnSpPr>
+        <p:spPr>
+          <a:xfrm>
+            <a:off x="6770838" y="1578871"/>
+            <a:ext cx="0" cy="364151"/>
           </a:xfrm>
           <a:prstGeom prst="straightConnector1">
             <a:avLst/>
